--- a/Intro to Software Engineering CSC 212-90/Poster/GenerativeLearningandAIPoster.pptx
+++ b/Intro to Software Engineering CSC 212-90/Poster/GenerativeLearningandAIPoster.pptx
@@ -532,7 +532,7 @@
           <a:p>
             <a:fld id="{A61186C1-2136-4F5C-81C5-7E7D5B4818E4}" type="datetimeFigureOut">
               <a:rPr lang="en-US" smtClean="0"/>
-              <a:t>4/5/2025</a:t>
+              <a:t>4/11/2025</a:t>
             </a:fld>
             <a:endParaRPr lang="en-US"/>
           </a:p>
@@ -714,7 +714,7 @@
               <a:pPr>
                 <a:defRPr/>
               </a:pPr>
-              <a:t>4/5/2025</a:t>
+              <a:t>4/11/2025</a:t>
             </a:fld>
             <a:endParaRPr lang="en-US"/>
           </a:p>
@@ -3321,42 +3321,6 @@
       </p:grpSp>
       <p:pic>
         <p:nvPicPr>
-          <p:cNvPr id="38" name="Picture 37">
-            <a:extLst>
-              <a:ext uri="{FF2B5EF4-FFF2-40B4-BE49-F238E27FC236}">
-                <a16:creationId xmlns:a16="http://schemas.microsoft.com/office/drawing/2014/main" id="{4543E909-F71C-C571-1D9B-69D58FB57472}"/>
-              </a:ext>
-            </a:extLst>
-          </p:cNvPr>
-          <p:cNvPicPr>
-            <a:picLocks noChangeAspect="1"/>
-          </p:cNvPicPr>
-          <p:nvPr/>
-        </p:nvPicPr>
-        <p:blipFill>
-          <a:blip r:embed="rId3">
-            <a:extLst>
-              <a:ext uri="{28A0092B-C50C-407E-A947-70E740481C1C}">
-                <a14:useLocalDpi xmlns:a14="http://schemas.microsoft.com/office/drawing/2010/main" val="0"/>
-              </a:ext>
-            </a:extLst>
-          </a:blip>
-          <a:stretch>
-            <a:fillRect/>
-          </a:stretch>
-        </p:blipFill>
-        <p:spPr>
-          <a:xfrm>
-            <a:off x="35537562" y="-878115"/>
-            <a:ext cx="6801498" cy="5255702"/>
-          </a:xfrm>
-          <a:prstGeom prst="rect">
-            <a:avLst/>
-          </a:prstGeom>
-        </p:spPr>
-      </p:pic>
-      <p:pic>
-        <p:nvPicPr>
           <p:cNvPr id="39" name="Picture 38" descr="Logos &amp; Templates | Quinsigamond Community College (QCC)">
             <a:extLst>
               <a:ext uri="{FF2B5EF4-FFF2-40B4-BE49-F238E27FC236}">
@@ -3370,7 +3334,7 @@
           <p:nvPr/>
         </p:nvPicPr>
         <p:blipFill>
-          <a:blip r:embed="rId4"/>
+          <a:blip r:embed="rId3"/>
           <a:stretch>
             <a:fillRect/>
           </a:stretch>
@@ -3859,7 +3823,7 @@
           <p:nvPr/>
         </p:nvPicPr>
         <p:blipFill>
-          <a:blip r:embed="rId5"/>
+          <a:blip r:embed="rId4"/>
           <a:stretch>
             <a:fillRect/>
           </a:stretch>
@@ -3889,7 +3853,7 @@
           <p:nvPr/>
         </p:nvPicPr>
         <p:blipFill>
-          <a:blip r:embed="rId6"/>
+          <a:blip r:embed="rId5"/>
           <a:stretch>
             <a:fillRect/>
           </a:stretch>
@@ -3898,6 +3862,36 @@
           <a:xfrm>
             <a:off x="16211257" y="14174923"/>
             <a:ext cx="12072286" cy="6753454"/>
+          </a:xfrm>
+          <a:prstGeom prst="rect">
+            <a:avLst/>
+          </a:prstGeom>
+        </p:spPr>
+      </p:pic>
+      <p:pic>
+        <p:nvPicPr>
+          <p:cNvPr id="26" name="Picture 25">
+            <a:extLst>
+              <a:ext uri="{FF2B5EF4-FFF2-40B4-BE49-F238E27FC236}">
+                <a16:creationId xmlns:a16="http://schemas.microsoft.com/office/drawing/2014/main" id="{1332357F-000A-15FE-E9A7-681F36903A50}"/>
+              </a:ext>
+            </a:extLst>
+          </p:cNvPr>
+          <p:cNvPicPr>
+            <a:picLocks noChangeAspect="1"/>
+          </p:cNvPicPr>
+          <p:nvPr/>
+        </p:nvPicPr>
+        <p:blipFill>
+          <a:blip r:embed="rId6"/>
+          <a:stretch>
+            <a:fillRect/>
+          </a:stretch>
+        </p:blipFill>
+        <p:spPr>
+          <a:xfrm>
+            <a:off x="35308098" y="451346"/>
+            <a:ext cx="3272007" cy="3272007"/>
           </a:xfrm>
           <a:prstGeom prst="rect">
             <a:avLst/>
